--- a/pod_presentation/Big Data Analytic Software - CS460 Pod Presentation.pptx
+++ b/pod_presentation/Big Data Analytic Software - CS460 Pod Presentation.pptx
@@ -1874,7 +1874,7 @@
               </a:spcAft>
               <a:buNone/>
             </a:pPr>
-            <a:endParaRPr/>
+            <a:endParaRPr dirty="0"/>
           </a:p>
         </p:txBody>
       </p:sp>
@@ -2123,7 +2123,7 @@
         </p:nvSpPr>
         <p:spPr>
           <a:xfrm>
-            <a:off x="381300" y="685800"/>
+            <a:off x="381000" y="685800"/>
             <a:ext cx="6096000" cy="3429000"/>
           </a:xfrm>
           <a:custGeom>
@@ -2177,16 +2177,75 @@
           </a:bodyPr>
           <a:lstStyle/>
           <a:p>
-            <a:pPr marL="0" lvl="0" indent="0" algn="l" rtl="0">
-              <a:spcBef>
-                <a:spcPts val="0"/>
-              </a:spcBef>
-              <a:spcAft>
-                <a:spcPts val="0"/>
-              </a:spcAft>
-              <a:buNone/>
+            <a:pPr marL="228600" lvl="0" indent="-228600" algn="l" rtl="0">
+              <a:spcBef>
+                <a:spcPts val="0"/>
+              </a:spcBef>
+              <a:spcAft>
+                <a:spcPts val="0"/>
+              </a:spcAft>
+              <a:buAutoNum type="arabicPeriod"/>
             </a:pPr>
-            <a:endParaRPr/>
+            <a:r>
+              <a:rPr lang="en-US" b="1" dirty="0"/>
+              <a:t>Scalability</a:t>
+            </a:r>
+            <a:br>
+              <a:rPr lang="en-US" dirty="0"/>
+            </a:br>
+            <a:r>
+              <a:rPr lang="en-US" dirty="0"/>
+              <a:t>"One of the main advantages of Big Data tools is their impressive scalability. These tools are built for horizontal scaling, meaning they can handle large numbers of users and vast volumes of data by adding more servers rather than upgrading individual ones, which keeps costs down. They also offer elastic scaling, automatically adjusting resources based on demand, making them highly adaptable for fluctuating data loads. Google Cloud Dataflow, for example, scales in real time, ideal for variable workloads. Tools like AWS Kinesis and Apache Kafka enable global scale and distribution, allowing data sources and consumers to be geographically dispersed, which is crucial for global applications with diverse data needs."</a:t>
+            </a:r>
+            <a:br>
+              <a:rPr lang="en-US" dirty="0"/>
+            </a:br>
+            <a:r>
+              <a:rPr lang="en-US" i="1" dirty="0"/>
+              <a:t>Data lakes and warehouses benefit from this scalability, as they are designed to store and process massive, distributed datasets fed by these Big Data tools.</a:t>
+            </a:r>
+          </a:p>
+          <a:p>
+            <a:pPr marL="228600" lvl="0" indent="-228600" algn="l" rtl="0">
+              <a:spcBef>
+                <a:spcPts val="0"/>
+              </a:spcBef>
+              <a:spcAft>
+                <a:spcPts val="0"/>
+              </a:spcAft>
+              <a:buAutoNum type="arabicPeriod"/>
+            </a:pPr>
+            <a:endParaRPr lang="en-US" i="1" dirty="0"/>
+          </a:p>
+          <a:p>
+            <a:pPr marL="228600" lvl="0" indent="-228600" algn="l" rtl="0">
+              <a:spcBef>
+                <a:spcPts val="0"/>
+              </a:spcBef>
+              <a:spcAft>
+                <a:spcPts val="0"/>
+              </a:spcAft>
+              <a:buAutoNum type="arabicPeriod"/>
+            </a:pPr>
+            <a:r>
+              <a:rPr lang="en-US" b="1" dirty="0"/>
+              <a:t>2. Real-Time Processing</a:t>
+            </a:r>
+            <a:br>
+              <a:rPr lang="en-US" dirty="0"/>
+            </a:br>
+            <a:r>
+              <a:rPr lang="en-US" dirty="0"/>
+              <a:t>"Another advantage is real-time processing, enabling these tools to handle streaming data with minimal latency. For instance, AWS Kinesis can ingest data within seconds, making it perfect for time-sensitive applications like IoT monitoring or social media analytics. They also allow for continuous analytics, empowering businesses to analyze data on the fly, which is essential in sectors like finance for real-time fraud detection or healthcare for monitoring patients. Additionally, Kafka and Kinesis support event-driven architectures, which allow systems to respond instantly as new data arrives—a necessity for applications that require immediate responses."</a:t>
+            </a:r>
+            <a:br>
+              <a:rPr lang="en-US" dirty="0"/>
+            </a:br>
+            <a:r>
+              <a:rPr lang="en-US" i="1" dirty="0"/>
+              <a:t>This real-time processing capability allows data lakes and warehouses to continuously update, providing immediate, actionable insights.</a:t>
+            </a:r>
+            <a:endParaRPr dirty="0"/>
           </a:p>
         </p:txBody>
       </p:sp>
@@ -2227,7 +2286,7 @@
         </p:nvSpPr>
         <p:spPr>
           <a:xfrm>
-            <a:off x="381300" y="685800"/>
+            <a:off x="381000" y="685800"/>
             <a:ext cx="6096000" cy="3429000"/>
           </a:xfrm>
           <a:custGeom>
@@ -2290,7 +2349,66 @@
               </a:spcAft>
               <a:buNone/>
             </a:pPr>
-            <a:endParaRPr/>
+            <a:r>
+              <a:rPr lang="en-US" b="1" dirty="0"/>
+              <a:t>3. Efficiency</a:t>
+            </a:r>
+            <a:br>
+              <a:rPr lang="en-US" dirty="0"/>
+            </a:br>
+            <a:r>
+              <a:rPr lang="en-US" dirty="0"/>
+              <a:t>"Big Data tools also deliver high efficiency. They use optimized resource management to keep operational costs low, with tools like Dataflow and Kinesis allocating resources dynamically to reduce energy use. Their high-throughput capabilities ensure that data is processed as it’s ingested, minimizing latency and preventing bottlenecks, making it easier to handle heavy workloads. These tools also have strong fault tolerance and reliability. For example, Kafka replicates data across nodes, while Kinesis stores data in multiple availability zones, ensuring data integrity and minimizing the chance of downtime."</a:t>
+            </a:r>
+            <a:br>
+              <a:rPr lang="en-US" dirty="0"/>
+            </a:br>
+            <a:r>
+              <a:rPr lang="en-US" i="1" dirty="0"/>
+              <a:t>Efficiency and fault tolerance ensure that data lakes and warehouses can rely on consistent, high-quality data streams.</a:t>
+            </a:r>
+          </a:p>
+          <a:p>
+            <a:pPr marL="0" lvl="0" indent="0" algn="l" rtl="0">
+              <a:spcBef>
+                <a:spcPts val="0"/>
+              </a:spcBef>
+              <a:spcAft>
+                <a:spcPts val="0"/>
+              </a:spcAft>
+              <a:buNone/>
+            </a:pPr>
+            <a:endParaRPr lang="en-US" i="1" dirty="0"/>
+          </a:p>
+          <a:p>
+            <a:pPr marL="0" lvl="0" indent="0" algn="l" rtl="0">
+              <a:spcBef>
+                <a:spcPts val="0"/>
+              </a:spcBef>
+              <a:spcAft>
+                <a:spcPts val="0"/>
+              </a:spcAft>
+              <a:buNone/>
+            </a:pPr>
+            <a:r>
+              <a:rPr lang="en-US" b="1" dirty="0"/>
+              <a:t>4. Community Support</a:t>
+            </a:r>
+            <a:br>
+              <a:rPr lang="en-US" dirty="0"/>
+            </a:br>
+            <a:r>
+              <a:rPr lang="en-US" dirty="0"/>
+              <a:t>"Finally, community support plays a significant role in the strength of these tools. For instance, Kafka’s open-source foundation means it has a large community continuously improving it, ensuring it stays adaptable and well-supported. These tools integrate seamlessly with major cloud services and a variety of third-party applications, backed by extensive documentation, user forums, and troubleshooting resources. They also benefit from regular innovation and updates. Google Cloud Dataflow, for example, leverages Google’s expertise in machine learning and data management, keeping it at the forefront of modern data needs."</a:t>
+            </a:r>
+            <a:br>
+              <a:rPr lang="en-US" dirty="0"/>
+            </a:br>
+            <a:r>
+              <a:rPr lang="en-US" i="1" dirty="0"/>
+              <a:t>Community-driven updates enhance compatibility with evolving data lake and warehousing technologies, fostering integration and innovation.</a:t>
+            </a:r>
+            <a:endParaRPr dirty="0"/>
           </a:p>
         </p:txBody>
       </p:sp>
